--- a/docs/Presentation.pptx
+++ b/docs/Presentation.pptx
@@ -4411,8 +4411,8 @@
         </p:nvSpPr>
         <p:spPr>
           <a:xfrm>
-            <a:off x="6230391" y="2011680"/>
-            <a:ext cx="5040988" cy="4206240"/>
+            <a:off x="5514392" y="2011680"/>
+            <a:ext cx="6677608" cy="4206240"/>
           </a:xfrm>
         </p:spPr>
         <p:txBody>
@@ -4430,7 +4430,7 @@
               <a:rPr lang="en-US" dirty="0">
                 <a:hlinkClick r:id="rId3"/>
               </a:rPr>
-              <a:t>https://github.com/mdlane/Hello-World</a:t>
+              <a:t>https://github.com/mdlane/MTNGIC-2013-Workshop</a:t>
             </a:r>
             <a:endParaRPr lang="en-US" dirty="0"/>
           </a:p>
@@ -4438,21 +4438,22 @@
       </p:sp>
       <p:pic>
         <p:nvPicPr>
-          <p:cNvPr id="6" name="Picture 5"/>
+          <p:cNvPr id="5" name="Picture 4"/>
           <p:cNvPicPr>
             <a:picLocks noChangeAspect="1"/>
           </p:cNvPicPr>
           <p:nvPr/>
         </p:nvPicPr>
-        <p:blipFill rotWithShape="1">
+        <p:blipFill>
           <a:blip r:embed="rId4"/>
-          <a:srcRect l="1268" t="9850" r="2625" b="5793"/>
-          <a:stretch/>
+          <a:stretch>
+            <a:fillRect/>
+          </a:stretch>
         </p:blipFill>
         <p:spPr>
           <a:xfrm>
-            <a:off x="5514392" y="2819143"/>
-            <a:ext cx="5756987" cy="3921184"/>
+            <a:off x="5578437" y="2718859"/>
+            <a:ext cx="5692942" cy="4021468"/>
           </a:xfrm>
           <a:prstGeom prst="rect">
             <a:avLst/>
@@ -4467,7 +4468,7 @@
         </p:nvSpPr>
         <p:spPr>
           <a:xfrm>
-            <a:off x="10077061" y="6447453"/>
+            <a:off x="10141106" y="6254131"/>
             <a:ext cx="1194318" cy="292874"/>
           </a:xfrm>
           <a:prstGeom prst="rect">
@@ -4837,6 +4838,30 @@
 </file>
 
 <file path=customXml/itemProps1.xml><?xml version="1.0" encoding="utf-8"?>
+<ds:datastoreItem xmlns:ds="http://schemas.openxmlformats.org/officeDocument/2006/customXml" ds:itemID="{F70FC624-2AF6-402E-B99A-39580F35F301}">
+  <ds:schemaRefs>
+    <ds:schemaRef ds:uri="ESRI.ArcGIS.Mapping.OfficeIntegration.PowerPointInfo"/>
+  </ds:schemaRefs>
+</ds:datastoreItem>
+</file>
+
+<file path=customXml/itemProps2.xml><?xml version="1.0" encoding="utf-8"?>
+<ds:datastoreItem xmlns:ds="http://schemas.openxmlformats.org/officeDocument/2006/customXml" ds:itemID="{D27BCB6B-83AA-47E2-B6B7-48D6C25DEE48}">
+  <ds:schemaRefs>
+    <ds:schemaRef ds:uri="ESRI.ArcGIS.Mapping.OfficeIntegration.PowerPointInfo"/>
+  </ds:schemaRefs>
+</ds:datastoreItem>
+</file>
+
+<file path=customXml/itemProps3.xml><?xml version="1.0" encoding="utf-8"?>
+<ds:datastoreItem xmlns:ds="http://schemas.openxmlformats.org/officeDocument/2006/customXml" ds:itemID="{95DBF4F6-4183-4775-B07E-DF2DDD24C7A7}">
+  <ds:schemaRefs>
+    <ds:schemaRef ds:uri="ESRI.ArcGIS.Mapping.OfficeIntegration.PowerPointInfo"/>
+  </ds:schemaRefs>
+</ds:datastoreItem>
+</file>
+
+<file path=customXml/itemProps4.xml><?xml version="1.0" encoding="utf-8"?>
 <ds:datastoreItem xmlns:ds="http://schemas.openxmlformats.org/officeDocument/2006/customXml" ds:itemID="{4435E4E6-79CD-4564-BD0B-0C2B68DE3A75}">
   <ds:schemaRefs>
     <ds:schemaRef ds:uri="ESRI.ArcGIS.Mapping.OfficeIntegration.PowerPointInfo"/>
@@ -4844,31 +4869,15 @@
 </ds:datastoreItem>
 </file>
 
-<file path=customXml/itemProps2.xml><?xml version="1.0" encoding="utf-8"?>
-<ds:datastoreItem xmlns:ds="http://schemas.openxmlformats.org/officeDocument/2006/customXml" ds:itemID="{95DBF4F6-4183-4775-B07E-DF2DDD24C7A7}">
+<file path=customXml/itemProps5.xml><?xml version="1.0" encoding="utf-8"?>
+<ds:datastoreItem xmlns:ds="http://schemas.openxmlformats.org/officeDocument/2006/customXml" ds:itemID="{B636DD22-3254-4A99-8CC2-64E65A9C6C1E}">
   <ds:schemaRefs>
     <ds:schemaRef ds:uri="ESRI.ArcGIS.Mapping.OfficeIntegration.PowerPointInfo"/>
   </ds:schemaRefs>
 </ds:datastoreItem>
 </file>
 
-<file path=customXml/itemProps3.xml><?xml version="1.0" encoding="utf-8"?>
-<ds:datastoreItem xmlns:ds="http://schemas.openxmlformats.org/officeDocument/2006/customXml" ds:itemID="{F70FC624-2AF6-402E-B99A-39580F35F301}">
-  <ds:schemaRefs>
-    <ds:schemaRef ds:uri="ESRI.ArcGIS.Mapping.OfficeIntegration.PowerPointInfo"/>
-  </ds:schemaRefs>
-</ds:datastoreItem>
-</file>
-
-<file path=customXml/itemProps4.xml><?xml version="1.0" encoding="utf-8"?>
-<ds:datastoreItem xmlns:ds="http://schemas.openxmlformats.org/officeDocument/2006/customXml" ds:itemID="{3A2180E9-2013-410F-8BB1-C290E132F8FC}">
-  <ds:schemaRefs>
-    <ds:schemaRef ds:uri="ESRI.ArcGIS.Mapping.OfficeIntegration.PowerPointInfo"/>
-  </ds:schemaRefs>
-</ds:datastoreItem>
-</file>
-
-<file path=customXml/itemProps5.xml><?xml version="1.0" encoding="utf-8"?>
+<file path=customXml/itemProps6.xml><?xml version="1.0" encoding="utf-8"?>
 <ds:datastoreItem xmlns:ds="http://schemas.openxmlformats.org/officeDocument/2006/customXml" ds:itemID="{D7E46514-621D-418D-B05B-7ED5AB7D2BBC}">
   <ds:schemaRefs>
     <ds:schemaRef ds:uri="ESRI.ArcGIS.Mapping.OfficeIntegration.PowerPointInfo"/>
@@ -4876,16 +4885,8 @@
 </ds:datastoreItem>
 </file>
 
-<file path=customXml/itemProps6.xml><?xml version="1.0" encoding="utf-8"?>
-<ds:datastoreItem xmlns:ds="http://schemas.openxmlformats.org/officeDocument/2006/customXml" ds:itemID="{B636DD22-3254-4A99-8CC2-64E65A9C6C1E}">
-  <ds:schemaRefs>
-    <ds:schemaRef ds:uri="ESRI.ArcGIS.Mapping.OfficeIntegration.PowerPointInfo"/>
-  </ds:schemaRefs>
-</ds:datastoreItem>
-</file>
-
 <file path=customXml/itemProps7.xml><?xml version="1.0" encoding="utf-8"?>
-<ds:datastoreItem xmlns:ds="http://schemas.openxmlformats.org/officeDocument/2006/customXml" ds:itemID="{D27BCB6B-83AA-47E2-B6B7-48D6C25DEE48}">
+<ds:datastoreItem xmlns:ds="http://schemas.openxmlformats.org/officeDocument/2006/customXml" ds:itemID="{E8C4BDA7-8836-44AE-AEA7-1A95D792BD2D}">
   <ds:schemaRefs>
     <ds:schemaRef ds:uri="ESRI.ArcGIS.Mapping.OfficeIntegration.PowerPointInfo"/>
   </ds:schemaRefs>
